--- a/assets/downloads/ieeevr-2023-template-poster.pptx
+++ b/assets/downloads/ieeevr-2023-template-poster.pptx
@@ -5,14 +5,15 @@
     <p:sldMasterId id="2147483736" r:id="rId1"/>
   </p:sldMasterIdLst>
   <p:notesMasterIdLst>
-    <p:notesMasterId r:id="rId4"/>
+    <p:notesMasterId r:id="rId5"/>
   </p:notesMasterIdLst>
   <p:handoutMasterIdLst>
-    <p:handoutMasterId r:id="rId5"/>
+    <p:handoutMasterId r:id="rId6"/>
   </p:handoutMasterIdLst>
   <p:sldIdLst>
     <p:sldId id="257" r:id="rId2"/>
     <p:sldId id="258" r:id="rId3"/>
+    <p:sldId id="259" r:id="rId4"/>
   </p:sldIdLst>
   <p:sldSz cx="30275213" cy="42803763"/>
   <p:notesSz cx="6858000" cy="9144000"/>
@@ -227,7 +228,7 @@
           <a:p>
             <a:fld id="{F16B558E-19AF-4C4F-B204-E033384A98D3}" type="datetimeFigureOut">
               <a:rPr lang="en-CN" smtClean="0"/>
-              <a:t>2023/2/27</a:t>
+              <a:t>2023/3/8</a:t>
             </a:fld>
             <a:endParaRPr lang="en-CN"/>
           </a:p>
@@ -404,7 +405,7 @@
           <a:p>
             <a:fld id="{DDB11B11-A111-A240-8F02-3EA9ECD67215}" type="datetimeFigureOut">
               <a:rPr lang="en-CN" smtClean="0"/>
-              <a:t>2023/2/27</a:t>
+              <a:t>2023/3/8</a:t>
             </a:fld>
             <a:endParaRPr lang="en-CN"/>
           </a:p>
@@ -803,7 +804,7 @@
           <a:p>
             <a:fld id="{8EA6E1DD-C589-44A4-B774-5C71ED738215}" type="datetimeFigureOut">
               <a:rPr lang="zh-CN" altLang="en-US" smtClean="0"/>
-              <a:t>2023/2/27</a:t>
+              <a:t>2023/3/8</a:t>
             </a:fld>
             <a:endParaRPr lang="zh-CN" altLang="en-US"/>
           </a:p>
@@ -973,7 +974,7 @@
           <a:p>
             <a:fld id="{8EA6E1DD-C589-44A4-B774-5C71ED738215}" type="datetimeFigureOut">
               <a:rPr lang="zh-CN" altLang="en-US" smtClean="0"/>
-              <a:t>2023/2/27</a:t>
+              <a:t>2023/3/8</a:t>
             </a:fld>
             <a:endParaRPr lang="zh-CN" altLang="en-US"/>
           </a:p>
@@ -1153,7 +1154,7 @@
           <a:p>
             <a:fld id="{8EA6E1DD-C589-44A4-B774-5C71ED738215}" type="datetimeFigureOut">
               <a:rPr lang="zh-CN" altLang="en-US" smtClean="0"/>
-              <a:t>2023/2/27</a:t>
+              <a:t>2023/3/8</a:t>
             </a:fld>
             <a:endParaRPr lang="zh-CN" altLang="en-US"/>
           </a:p>
@@ -1323,7 +1324,7 @@
           <a:p>
             <a:fld id="{8EA6E1DD-C589-44A4-B774-5C71ED738215}" type="datetimeFigureOut">
               <a:rPr lang="zh-CN" altLang="en-US" smtClean="0"/>
-              <a:t>2023/2/27</a:t>
+              <a:t>2023/3/8</a:t>
             </a:fld>
             <a:endParaRPr lang="zh-CN" altLang="en-US"/>
           </a:p>
@@ -1567,7 +1568,7 @@
           <a:p>
             <a:fld id="{8EA6E1DD-C589-44A4-B774-5C71ED738215}" type="datetimeFigureOut">
               <a:rPr lang="zh-CN" altLang="en-US" smtClean="0"/>
-              <a:t>2023/2/27</a:t>
+              <a:t>2023/3/8</a:t>
             </a:fld>
             <a:endParaRPr lang="zh-CN" altLang="en-US"/>
           </a:p>
@@ -1799,7 +1800,7 @@
           <a:p>
             <a:fld id="{8EA6E1DD-C589-44A4-B774-5C71ED738215}" type="datetimeFigureOut">
               <a:rPr lang="zh-CN" altLang="en-US" smtClean="0"/>
-              <a:t>2023/2/27</a:t>
+              <a:t>2023/3/8</a:t>
             </a:fld>
             <a:endParaRPr lang="zh-CN" altLang="en-US"/>
           </a:p>
@@ -2166,7 +2167,7 @@
           <a:p>
             <a:fld id="{8EA6E1DD-C589-44A4-B774-5C71ED738215}" type="datetimeFigureOut">
               <a:rPr lang="zh-CN" altLang="en-US" smtClean="0"/>
-              <a:t>2023/2/27</a:t>
+              <a:t>2023/3/8</a:t>
             </a:fld>
             <a:endParaRPr lang="zh-CN" altLang="en-US"/>
           </a:p>
@@ -2284,7 +2285,7 @@
           <a:p>
             <a:fld id="{8EA6E1DD-C589-44A4-B774-5C71ED738215}" type="datetimeFigureOut">
               <a:rPr lang="zh-CN" altLang="en-US" smtClean="0"/>
-              <a:t>2023/2/27</a:t>
+              <a:t>2023/3/8</a:t>
             </a:fld>
             <a:endParaRPr lang="zh-CN" altLang="en-US"/>
           </a:p>
@@ -2379,7 +2380,7 @@
           <a:p>
             <a:fld id="{8EA6E1DD-C589-44A4-B774-5C71ED738215}" type="datetimeFigureOut">
               <a:rPr lang="zh-CN" altLang="en-US" smtClean="0"/>
-              <a:t>2023/2/27</a:t>
+              <a:t>2023/3/8</a:t>
             </a:fld>
             <a:endParaRPr lang="zh-CN" altLang="en-US"/>
           </a:p>
@@ -2656,7 +2657,7 @@
           <a:p>
             <a:fld id="{8EA6E1DD-C589-44A4-B774-5C71ED738215}" type="datetimeFigureOut">
               <a:rPr lang="zh-CN" altLang="en-US" smtClean="0"/>
-              <a:t>2023/2/27</a:t>
+              <a:t>2023/3/8</a:t>
             </a:fld>
             <a:endParaRPr lang="zh-CN" altLang="en-US"/>
           </a:p>
@@ -2913,7 +2914,7 @@
           <a:p>
             <a:fld id="{8EA6E1DD-C589-44A4-B774-5C71ED738215}" type="datetimeFigureOut">
               <a:rPr lang="zh-CN" altLang="en-US" smtClean="0"/>
-              <a:t>2023/2/27</a:t>
+              <a:t>2023/3/8</a:t>
             </a:fld>
             <a:endParaRPr lang="zh-CN" altLang="en-US"/>
           </a:p>
@@ -3126,7 +3127,7 @@
           <a:p>
             <a:fld id="{8EA6E1DD-C589-44A4-B774-5C71ED738215}" type="datetimeFigureOut">
               <a:rPr lang="zh-CN" altLang="en-US" smtClean="0"/>
-              <a:t>2023/2/27</a:t>
+              <a:t>2023/3/8</a:t>
             </a:fld>
             <a:endParaRPr lang="zh-CN" altLang="en-US"/>
           </a:p>
@@ -5038,6 +5039,748 @@
     <p:extLst>
       <p:ext uri="{BB962C8B-B14F-4D97-AF65-F5344CB8AC3E}">
         <p14:creationId xmlns:p14="http://schemas.microsoft.com/office/powerpoint/2010/main" val="2968703060"/>
+      </p:ext>
+    </p:extLst>
+  </p:cSld>
+  <p:clrMapOvr>
+    <a:masterClrMapping/>
+  </p:clrMapOvr>
+</p:sld>
+</file>
+
+<file path=ppt/slides/slide3.xml><?xml version="1.0" encoding="utf-8"?>
+<p:sld xmlns:a="http://schemas.openxmlformats.org/drawingml/2006/main" xmlns:r="http://schemas.openxmlformats.org/officeDocument/2006/relationships" xmlns:p="http://schemas.openxmlformats.org/presentationml/2006/main">
+  <p:cSld>
+    <p:bg>
+      <p:bgPr>
+        <a:blipFill>
+          <a:blip r:embed="rId2"/>
+          <a:stretch>
+            <a:fillRect/>
+          </a:stretch>
+        </a:blipFill>
+        <a:effectLst/>
+      </p:bgPr>
+    </p:bg>
+    <p:spTree>
+      <p:nvGrpSpPr>
+        <p:cNvPr id="1" name=""/>
+        <p:cNvGrpSpPr/>
+        <p:nvPr/>
+      </p:nvGrpSpPr>
+      <p:grpSpPr>
+        <a:xfrm>
+          <a:off x="0" y="0"/>
+          <a:ext cx="0" cy="0"/>
+          <a:chOff x="0" y="0"/>
+          <a:chExt cx="0" cy="0"/>
+        </a:xfrm>
+      </p:grpSpPr>
+      <p:sp>
+        <p:nvSpPr>
+          <p:cNvPr id="10" name="Title 9">
+            <a:extLst>
+              <a:ext uri="{FF2B5EF4-FFF2-40B4-BE49-F238E27FC236}">
+                <a16:creationId xmlns:a16="http://schemas.microsoft.com/office/drawing/2014/main" id="{DC3BDE6B-0466-F777-06A1-48036E8AE6E4}"/>
+              </a:ext>
+            </a:extLst>
+          </p:cNvPr>
+          <p:cNvSpPr>
+            <a:spLocks noGrp="1"/>
+          </p:cNvSpPr>
+          <p:nvPr>
+            <p:ph type="title"/>
+          </p:nvPr>
+        </p:nvSpPr>
+        <p:spPr>
+          <a:xfrm>
+            <a:off x="2081421" y="754019"/>
+            <a:ext cx="18949779" cy="5808545"/>
+          </a:xfrm>
+        </p:spPr>
+        <p:txBody>
+          <a:bodyPr>
+            <a:noAutofit/>
+          </a:bodyPr>
+          <a:lstStyle/>
+          <a:p>
+            <a:r>
+              <a:rPr lang="en-US" sz="10000" b="1" dirty="0">
+                <a:latin typeface="+mn-lt"/>
+              </a:rPr>
+              <a:t>A Very Long Title A Very Long Title A Very Long Title A Very Long Title A Very Long Title A Very Long Title</a:t>
+            </a:r>
+            <a:endParaRPr lang="en-CN" sz="10000" b="1" dirty="0">
+              <a:latin typeface="+mn-lt"/>
+            </a:endParaRPr>
+          </a:p>
+        </p:txBody>
+      </p:sp>
+      <p:sp>
+        <p:nvSpPr>
+          <p:cNvPr id="13" name="Content Placeholder 12">
+            <a:extLst>
+              <a:ext uri="{FF2B5EF4-FFF2-40B4-BE49-F238E27FC236}">
+                <a16:creationId xmlns:a16="http://schemas.microsoft.com/office/drawing/2014/main" id="{6386494A-D5A6-572E-695E-71D4B175A27B}"/>
+              </a:ext>
+            </a:extLst>
+          </p:cNvPr>
+          <p:cNvSpPr>
+            <a:spLocks noGrp="1"/>
+          </p:cNvSpPr>
+          <p:nvPr>
+            <p:ph sz="half" idx="1"/>
+          </p:nvPr>
+        </p:nvSpPr>
+        <p:spPr>
+          <a:xfrm>
+            <a:off x="2081421" y="6562564"/>
+            <a:ext cx="12866966" cy="31990550"/>
+          </a:xfrm>
+        </p:spPr>
+        <p:txBody>
+          <a:bodyPr>
+            <a:normAutofit/>
+          </a:bodyPr>
+          <a:lstStyle/>
+          <a:p>
+            <a:r>
+              <a:rPr lang="en-US" sz="5400" dirty="0"/>
+              <a:t>Motivation</a:t>
+            </a:r>
+          </a:p>
+          <a:p>
+            <a:r>
+              <a:rPr lang="en-US" sz="5400" dirty="0"/>
+              <a:t>Methods</a:t>
+            </a:r>
+          </a:p>
+          <a:p>
+            <a:pPr lvl="1"/>
+            <a:r>
+              <a:rPr lang="en-US" sz="5400" dirty="0"/>
+              <a:t>Algorithms</a:t>
+            </a:r>
+          </a:p>
+          <a:p>
+            <a:r>
+              <a:rPr lang="en-US" sz="5400" dirty="0"/>
+              <a:t>Results</a:t>
+            </a:r>
+          </a:p>
+          <a:p>
+            <a:pPr lvl="1"/>
+            <a:r>
+              <a:rPr lang="en-US" sz="5400" dirty="0"/>
+              <a:t>Performance</a:t>
+            </a:r>
+          </a:p>
+          <a:p>
+            <a:pPr lvl="1"/>
+            <a:endParaRPr lang="en-US" sz="5400" dirty="0"/>
+          </a:p>
+          <a:p>
+            <a:endParaRPr lang="en-CN" sz="5400" dirty="0"/>
+          </a:p>
+        </p:txBody>
+      </p:sp>
+      <p:sp>
+        <p:nvSpPr>
+          <p:cNvPr id="25" name="Content Placeholder 24">
+            <a:extLst>
+              <a:ext uri="{FF2B5EF4-FFF2-40B4-BE49-F238E27FC236}">
+                <a16:creationId xmlns:a16="http://schemas.microsoft.com/office/drawing/2014/main" id="{C0F81019-7C96-7B9B-264B-4FEF48783D01}"/>
+              </a:ext>
+            </a:extLst>
+          </p:cNvPr>
+          <p:cNvSpPr>
+            <a:spLocks noGrp="1"/>
+          </p:cNvSpPr>
+          <p:nvPr>
+            <p:ph sz="half" idx="2"/>
+          </p:nvPr>
+        </p:nvSpPr>
+        <p:spPr>
+          <a:xfrm>
+            <a:off x="15326826" y="6562564"/>
+            <a:ext cx="12866966" cy="31990550"/>
+          </a:xfrm>
+        </p:spPr>
+        <p:txBody>
+          <a:bodyPr>
+            <a:normAutofit/>
+          </a:bodyPr>
+          <a:lstStyle/>
+          <a:p>
+            <a:r>
+              <a:rPr lang="en-US" sz="5400" dirty="0"/>
+              <a:t>Motivation</a:t>
+            </a:r>
+          </a:p>
+          <a:p>
+            <a:r>
+              <a:rPr lang="en-US" sz="5400" dirty="0"/>
+              <a:t>Methods</a:t>
+            </a:r>
+          </a:p>
+          <a:p>
+            <a:pPr lvl="1"/>
+            <a:r>
+              <a:rPr lang="en-US" sz="5400" dirty="0"/>
+              <a:t>Algorithms</a:t>
+            </a:r>
+          </a:p>
+          <a:p>
+            <a:r>
+              <a:rPr lang="en-US" sz="5400" dirty="0"/>
+              <a:t>Results</a:t>
+            </a:r>
+          </a:p>
+          <a:p>
+            <a:pPr lvl="1"/>
+            <a:r>
+              <a:rPr lang="en-US" sz="5400" dirty="0"/>
+              <a:t>Performance</a:t>
+            </a:r>
+          </a:p>
+          <a:p>
+            <a:pPr lvl="1"/>
+            <a:endParaRPr lang="en-US" sz="5400" dirty="0"/>
+          </a:p>
+          <a:p>
+            <a:endParaRPr lang="en-CN" sz="5400" dirty="0"/>
+          </a:p>
+          <a:p>
+            <a:endParaRPr lang="en-CN" sz="5400" dirty="0"/>
+          </a:p>
+        </p:txBody>
+      </p:sp>
+      <p:sp>
+        <p:nvSpPr>
+          <p:cNvPr id="16" name="Shape 44">
+            <a:extLst>
+              <a:ext uri="{FF2B5EF4-FFF2-40B4-BE49-F238E27FC236}">
+                <a16:creationId xmlns:a16="http://schemas.microsoft.com/office/drawing/2014/main" id="{EFB8C9F5-7B41-BD03-AF7A-BFD74889FEE4}"/>
+              </a:ext>
+            </a:extLst>
+          </p:cNvPr>
+          <p:cNvSpPr txBox="1">
+            <a:spLocks/>
+          </p:cNvSpPr>
+          <p:nvPr/>
+        </p:nvSpPr>
+        <p:spPr>
+          <a:xfrm>
+            <a:off x="5255642" y="39205227"/>
+            <a:ext cx="24282400" cy="1523464"/>
+          </a:xfrm>
+          <a:prstGeom prst="rect">
+            <a:avLst/>
+          </a:prstGeom>
+          <a:effectLst/>
+        </p:spPr>
+        <p:txBody>
+          <a:bodyPr>
+            <a:noAutofit/>
+          </a:bodyPr>
+          <a:lstStyle>
+            <a:lvl1pPr marL="228600" marR="0" indent="-228600" algn="l" defTabSz="914400" rtl="0" latinLnBrk="0">
+              <a:lnSpc>
+                <a:spcPct val="90000"/>
+              </a:lnSpc>
+              <a:spcBef>
+                <a:spcPts val="1000"/>
+              </a:spcBef>
+              <a:spcAft>
+                <a:spcPts val="0"/>
+              </a:spcAft>
+              <a:buClr>
+                <a:srgbClr val="EF6230"/>
+              </a:buClr>
+              <a:buSzPct val="100000"/>
+              <a:buFont typeface="Arial"/>
+              <a:buChar char="•"/>
+              <a:tabLst/>
+              <a:defRPr sz="2800" b="0" i="0" u="none" strike="noStrike" cap="none" spc="0" baseline="0">
+                <a:ln>
+                  <a:noFill/>
+                </a:ln>
+                <a:solidFill>
+                  <a:srgbClr val="050505"/>
+                </a:solidFill>
+                <a:uFillTx/>
+                <a:latin typeface="+mn-lt"/>
+                <a:ea typeface="+mn-ea"/>
+                <a:cs typeface="+mn-cs"/>
+                <a:sym typeface="Calibri"/>
+              </a:defRPr>
+            </a:lvl1pPr>
+            <a:lvl2pPr marL="542925" marR="0" indent="-265113" algn="l" defTabSz="914400" rtl="0" latinLnBrk="0">
+              <a:lnSpc>
+                <a:spcPct val="90000"/>
+              </a:lnSpc>
+              <a:spcBef>
+                <a:spcPts val="1000"/>
+              </a:spcBef>
+              <a:spcAft>
+                <a:spcPts val="0"/>
+              </a:spcAft>
+              <a:buClr>
+                <a:srgbClr val="EF6230"/>
+              </a:buClr>
+              <a:buSzPct val="100000"/>
+              <a:buFont typeface="Arial"/>
+              <a:buChar char="•"/>
+              <a:tabLst/>
+              <a:defRPr sz="2400" b="0" i="0" u="none" strike="noStrike" cap="none" spc="0" baseline="0">
+                <a:ln>
+                  <a:noFill/>
+                </a:ln>
+                <a:solidFill>
+                  <a:srgbClr val="050505"/>
+                </a:solidFill>
+                <a:uFillTx/>
+                <a:latin typeface="+mn-lt"/>
+                <a:ea typeface="+mn-ea"/>
+                <a:cs typeface="+mn-cs"/>
+                <a:sym typeface="Calibri"/>
+              </a:defRPr>
+            </a:lvl2pPr>
+            <a:lvl3pPr marL="808038" marR="0" indent="-222250" algn="l" defTabSz="914400" rtl="0" latinLnBrk="0">
+              <a:lnSpc>
+                <a:spcPct val="90000"/>
+              </a:lnSpc>
+              <a:spcBef>
+                <a:spcPts val="1000"/>
+              </a:spcBef>
+              <a:spcAft>
+                <a:spcPts val="0"/>
+              </a:spcAft>
+              <a:buClr>
+                <a:srgbClr val="EF6230"/>
+              </a:buClr>
+              <a:buSzPct val="100000"/>
+              <a:buFont typeface="Arial"/>
+              <a:buChar char="•"/>
+              <a:tabLst/>
+              <a:defRPr sz="2000" b="0" i="0" u="none" strike="noStrike" cap="none" spc="0" baseline="0">
+                <a:ln>
+                  <a:noFill/>
+                </a:ln>
+                <a:solidFill>
+                  <a:srgbClr val="050505"/>
+                </a:solidFill>
+                <a:uFillTx/>
+                <a:latin typeface="+mn-lt"/>
+                <a:ea typeface="+mn-ea"/>
+                <a:cs typeface="+mn-cs"/>
+                <a:sym typeface="Calibri"/>
+              </a:defRPr>
+            </a:lvl3pPr>
+            <a:lvl4pPr marL="1381125" marR="0" indent="-307975" algn="l" defTabSz="914400" rtl="0" latinLnBrk="0">
+              <a:lnSpc>
+                <a:spcPct val="90000"/>
+              </a:lnSpc>
+              <a:spcBef>
+                <a:spcPts val="1000"/>
+              </a:spcBef>
+              <a:spcAft>
+                <a:spcPts val="0"/>
+              </a:spcAft>
+              <a:buClr>
+                <a:srgbClr val="EF6230"/>
+              </a:buClr>
+              <a:buSzPct val="100000"/>
+              <a:buFont typeface="Arial"/>
+              <a:buChar char="•"/>
+              <a:tabLst/>
+              <a:defRPr sz="2000" b="0" i="0" u="none" strike="noStrike" cap="none" spc="0" baseline="0">
+                <a:ln>
+                  <a:noFill/>
+                </a:ln>
+                <a:solidFill>
+                  <a:srgbClr val="050505"/>
+                </a:solidFill>
+                <a:uFillTx/>
+                <a:latin typeface="+mn-lt"/>
+                <a:ea typeface="+mn-ea"/>
+                <a:cs typeface="+mn-cs"/>
+                <a:sym typeface="Calibri"/>
+              </a:defRPr>
+            </a:lvl4pPr>
+            <a:lvl5pPr marL="1743075" marR="0" indent="-320675" algn="l" defTabSz="914400" rtl="0" latinLnBrk="0">
+              <a:lnSpc>
+                <a:spcPct val="90000"/>
+              </a:lnSpc>
+              <a:spcBef>
+                <a:spcPts val="1000"/>
+              </a:spcBef>
+              <a:spcAft>
+                <a:spcPts val="0"/>
+              </a:spcAft>
+              <a:buClr>
+                <a:srgbClr val="EF6230"/>
+              </a:buClr>
+              <a:buSzPct val="100000"/>
+              <a:buFont typeface="Arial"/>
+              <a:buChar char="•"/>
+              <a:tabLst/>
+              <a:defRPr sz="2000" b="0" i="0" u="none" strike="noStrike" cap="none" spc="0" baseline="0">
+                <a:ln>
+                  <a:noFill/>
+                </a:ln>
+                <a:solidFill>
+                  <a:srgbClr val="050505"/>
+                </a:solidFill>
+                <a:uFillTx/>
+                <a:latin typeface="+mn-lt"/>
+                <a:ea typeface="+mn-ea"/>
+                <a:cs typeface="+mn-cs"/>
+                <a:sym typeface="Calibri"/>
+              </a:defRPr>
+            </a:lvl5pPr>
+            <a:lvl6pPr marL="2641600" marR="0" indent="-355600" algn="l" defTabSz="914400" rtl="0" latinLnBrk="0">
+              <a:lnSpc>
+                <a:spcPct val="90000"/>
+              </a:lnSpc>
+              <a:spcBef>
+                <a:spcPts val="1000"/>
+              </a:spcBef>
+              <a:spcAft>
+                <a:spcPts val="0"/>
+              </a:spcAft>
+              <a:buClr>
+                <a:srgbClr val="EF6230"/>
+              </a:buClr>
+              <a:buSzPct val="100000"/>
+              <a:buFont typeface="Arial"/>
+              <a:buChar char="•"/>
+              <a:tabLst/>
+              <a:defRPr sz="2800" b="1" i="0" u="none" strike="noStrike" cap="none" spc="0" baseline="0">
+                <a:ln>
+                  <a:noFill/>
+                </a:ln>
+                <a:solidFill>
+                  <a:srgbClr val="050505"/>
+                </a:solidFill>
+                <a:uFillTx/>
+                <a:latin typeface="+mn-lt"/>
+                <a:ea typeface="+mn-ea"/>
+                <a:cs typeface="+mn-cs"/>
+                <a:sym typeface="Calibri"/>
+              </a:defRPr>
+            </a:lvl6pPr>
+            <a:lvl7pPr marL="3098800" marR="0" indent="-355600" algn="l" defTabSz="914400" rtl="0" latinLnBrk="0">
+              <a:lnSpc>
+                <a:spcPct val="90000"/>
+              </a:lnSpc>
+              <a:spcBef>
+                <a:spcPts val="1000"/>
+              </a:spcBef>
+              <a:spcAft>
+                <a:spcPts val="0"/>
+              </a:spcAft>
+              <a:buClr>
+                <a:srgbClr val="EF6230"/>
+              </a:buClr>
+              <a:buSzPct val="100000"/>
+              <a:buFont typeface="Arial"/>
+              <a:buChar char="•"/>
+              <a:tabLst/>
+              <a:defRPr sz="2800" b="1" i="0" u="none" strike="noStrike" cap="none" spc="0" baseline="0">
+                <a:ln>
+                  <a:noFill/>
+                </a:ln>
+                <a:solidFill>
+                  <a:srgbClr val="050505"/>
+                </a:solidFill>
+                <a:uFillTx/>
+                <a:latin typeface="+mn-lt"/>
+                <a:ea typeface="+mn-ea"/>
+                <a:cs typeface="+mn-cs"/>
+                <a:sym typeface="Calibri"/>
+              </a:defRPr>
+            </a:lvl7pPr>
+            <a:lvl8pPr marL="3556000" marR="0" indent="-355600" algn="l" defTabSz="914400" rtl="0" latinLnBrk="0">
+              <a:lnSpc>
+                <a:spcPct val="90000"/>
+              </a:lnSpc>
+              <a:spcBef>
+                <a:spcPts val="1000"/>
+              </a:spcBef>
+              <a:spcAft>
+                <a:spcPts val="0"/>
+              </a:spcAft>
+              <a:buClr>
+                <a:srgbClr val="EF6230"/>
+              </a:buClr>
+              <a:buSzPct val="100000"/>
+              <a:buFont typeface="Arial"/>
+              <a:buChar char="•"/>
+              <a:tabLst/>
+              <a:defRPr sz="2800" b="1" i="0" u="none" strike="noStrike" cap="none" spc="0" baseline="0">
+                <a:ln>
+                  <a:noFill/>
+                </a:ln>
+                <a:solidFill>
+                  <a:srgbClr val="050505"/>
+                </a:solidFill>
+                <a:uFillTx/>
+                <a:latin typeface="+mn-lt"/>
+                <a:ea typeface="+mn-ea"/>
+                <a:cs typeface="+mn-cs"/>
+                <a:sym typeface="Calibri"/>
+              </a:defRPr>
+            </a:lvl8pPr>
+            <a:lvl9pPr marL="4013200" marR="0" indent="-355600" algn="l" defTabSz="914400" rtl="0" latinLnBrk="0">
+              <a:lnSpc>
+                <a:spcPct val="90000"/>
+              </a:lnSpc>
+              <a:spcBef>
+                <a:spcPts val="1000"/>
+              </a:spcBef>
+              <a:spcAft>
+                <a:spcPts val="0"/>
+              </a:spcAft>
+              <a:buClr>
+                <a:srgbClr val="EF6230"/>
+              </a:buClr>
+              <a:buSzPct val="100000"/>
+              <a:buFont typeface="Arial"/>
+              <a:buChar char="•"/>
+              <a:tabLst/>
+              <a:defRPr sz="2800" b="1" i="0" u="none" strike="noStrike" cap="none" spc="0" baseline="0">
+                <a:ln>
+                  <a:noFill/>
+                </a:ln>
+                <a:solidFill>
+                  <a:srgbClr val="050505"/>
+                </a:solidFill>
+                <a:uFillTx/>
+                <a:latin typeface="+mn-lt"/>
+                <a:ea typeface="+mn-ea"/>
+                <a:cs typeface="+mn-cs"/>
+                <a:sym typeface="Calibri"/>
+              </a:defRPr>
+            </a:lvl9pPr>
+          </a:lstStyle>
+          <a:p>
+            <a:pPr marL="0" indent="0">
+              <a:buNone/>
+            </a:pPr>
+            <a:r>
+              <a:rPr lang="es-ES_tradnl" sz="5400" i="1" dirty="0" err="1"/>
+              <a:t>First</a:t>
+            </a:r>
+            <a:r>
+              <a:rPr lang="es-ES_tradnl" sz="5400" i="1" dirty="0"/>
+              <a:t> and </a:t>
+            </a:r>
+            <a:r>
+              <a:rPr lang="es-ES_tradnl" sz="5400" i="1" dirty="0" err="1"/>
+              <a:t>Last</a:t>
+            </a:r>
+            <a:r>
+              <a:rPr lang="es-ES_tradnl" sz="5400" i="1" dirty="0"/>
+              <a:t> </a:t>
+            </a:r>
+            <a:r>
+              <a:rPr lang="es-ES_tradnl" sz="5400" i="1" dirty="0" err="1"/>
+              <a:t>Name</a:t>
+            </a:r>
+            <a:r>
+              <a:rPr lang="es-ES_tradnl" sz="5400" i="1" dirty="0"/>
+              <a:t>, </a:t>
+            </a:r>
+            <a:r>
+              <a:rPr lang="es-ES_tradnl" sz="5400" i="1" dirty="0" err="1"/>
+              <a:t>First</a:t>
+            </a:r>
+            <a:r>
+              <a:rPr lang="es-ES_tradnl" sz="5400" i="1" dirty="0"/>
+              <a:t> and </a:t>
+            </a:r>
+            <a:r>
+              <a:rPr lang="es-ES_tradnl" sz="5400" i="1" dirty="0" err="1"/>
+              <a:t>Last</a:t>
+            </a:r>
+            <a:r>
+              <a:rPr lang="es-ES_tradnl" sz="5400" i="1" dirty="0"/>
+              <a:t> </a:t>
+            </a:r>
+            <a:r>
+              <a:rPr lang="es-ES_tradnl" sz="5400" i="1" dirty="0" err="1"/>
+              <a:t>Name</a:t>
+            </a:r>
+            <a:r>
+              <a:rPr lang="es-ES_tradnl" sz="5400" i="1" dirty="0"/>
+              <a:t>, </a:t>
+            </a:r>
+            <a:r>
+              <a:rPr lang="es-ES_tradnl" sz="5400" i="1" dirty="0" err="1"/>
+              <a:t>First</a:t>
+            </a:r>
+            <a:r>
+              <a:rPr lang="es-ES_tradnl" sz="5400" i="1" dirty="0"/>
+              <a:t> and </a:t>
+            </a:r>
+            <a:r>
+              <a:rPr lang="es-ES_tradnl" sz="5400" i="1" dirty="0" err="1"/>
+              <a:t>Last</a:t>
+            </a:r>
+            <a:r>
+              <a:rPr lang="es-ES_tradnl" sz="5400" i="1" dirty="0"/>
+              <a:t> </a:t>
+            </a:r>
+            <a:r>
+              <a:rPr lang="es-ES_tradnl" sz="5400" i="1" dirty="0" err="1"/>
+              <a:t>Name</a:t>
+            </a:r>
+            <a:r>
+              <a:rPr lang="es-ES_tradnl" sz="5400" i="1" dirty="0"/>
+              <a:t>, </a:t>
+            </a:r>
+            <a:r>
+              <a:rPr lang="es-ES_tradnl" sz="5400" i="1" dirty="0" err="1"/>
+              <a:t>First</a:t>
+            </a:r>
+            <a:r>
+              <a:rPr lang="es-ES_tradnl" sz="5400" i="1" dirty="0"/>
+              <a:t> and </a:t>
+            </a:r>
+            <a:r>
+              <a:rPr lang="es-ES_tradnl" sz="5400" i="1" dirty="0" err="1"/>
+              <a:t>Last</a:t>
+            </a:r>
+            <a:r>
+              <a:rPr lang="es-ES_tradnl" sz="5400" i="1" dirty="0"/>
+              <a:t> </a:t>
+            </a:r>
+            <a:r>
+              <a:rPr lang="es-ES_tradnl" sz="5400" i="1" dirty="0" err="1"/>
+              <a:t>Name</a:t>
+            </a:r>
+            <a:r>
+              <a:rPr lang="es-ES_tradnl" sz="5400" i="1" dirty="0"/>
+              <a:t>, </a:t>
+            </a:r>
+            <a:r>
+              <a:rPr lang="es-ES_tradnl" sz="5400" i="1" dirty="0" err="1"/>
+              <a:t>First</a:t>
+            </a:r>
+            <a:r>
+              <a:rPr lang="es-ES_tradnl" sz="5400" i="1" dirty="0"/>
+              <a:t> and </a:t>
+            </a:r>
+            <a:r>
+              <a:rPr lang="es-ES_tradnl" sz="5400" i="1" dirty="0" err="1"/>
+              <a:t>Last</a:t>
+            </a:r>
+            <a:r>
+              <a:rPr lang="es-ES_tradnl" sz="5400" i="1" dirty="0"/>
+              <a:t> </a:t>
+            </a:r>
+            <a:r>
+              <a:rPr lang="es-ES_tradnl" sz="5400" i="1" dirty="0" err="1"/>
+              <a:t>Name</a:t>
+            </a:r>
+            <a:r>
+              <a:rPr lang="es-ES_tradnl" sz="5400" i="1" dirty="0"/>
+              <a:t>, </a:t>
+            </a:r>
+            <a:r>
+              <a:rPr lang="es-ES_tradnl" sz="5400" i="1" dirty="0" err="1"/>
+              <a:t>First</a:t>
+            </a:r>
+            <a:r>
+              <a:rPr lang="es-ES_tradnl" sz="5400" i="1" dirty="0"/>
+              <a:t> and </a:t>
+            </a:r>
+            <a:r>
+              <a:rPr lang="es-ES_tradnl" sz="5400" i="1" dirty="0" err="1"/>
+              <a:t>Last</a:t>
+            </a:r>
+            <a:r>
+              <a:rPr lang="es-ES_tradnl" sz="5400" i="1" dirty="0"/>
+              <a:t> </a:t>
+            </a:r>
+            <a:r>
+              <a:rPr lang="es-ES_tradnl" sz="5400" i="1" dirty="0" err="1"/>
+              <a:t>Name</a:t>
+            </a:r>
+            <a:endParaRPr lang="en-US" sz="5400" dirty="0"/>
+          </a:p>
+        </p:txBody>
+      </p:sp>
+      <p:sp>
+        <p:nvSpPr>
+          <p:cNvPr id="17" name="1 CuadroTexto">
+            <a:extLst>
+              <a:ext uri="{FF2B5EF4-FFF2-40B4-BE49-F238E27FC236}">
+                <a16:creationId xmlns:a16="http://schemas.microsoft.com/office/drawing/2014/main" id="{6FBCDD99-3129-E73C-C3BE-756365D9C3FB}"/>
+              </a:ext>
+            </a:extLst>
+          </p:cNvPr>
+          <p:cNvSpPr txBox="1"/>
+          <p:nvPr/>
+        </p:nvSpPr>
+        <p:spPr>
+          <a:xfrm>
+            <a:off x="21760309" y="39966959"/>
+            <a:ext cx="7777733" cy="961537"/>
+          </a:xfrm>
+          <a:prstGeom prst="rect">
+            <a:avLst/>
+          </a:prstGeom>
+          <a:noFill/>
+          <a:ln w="12700" cap="flat">
+            <a:noFill/>
+            <a:miter lim="400000"/>
+          </a:ln>
+          <a:effectLst/>
+          <a:sp3d/>
+        </p:spPr>
+        <p:style>
+          <a:lnRef idx="0">
+            <a:scrgbClr r="0" g="0" b="0"/>
+          </a:lnRef>
+          <a:fillRef idx="0">
+            <a:scrgbClr r="0" g="0" b="0"/>
+          </a:fillRef>
+          <a:effectRef idx="0">
+            <a:scrgbClr r="0" g="0" b="0"/>
+          </a:effectRef>
+          <a:fontRef idx="none"/>
+        </p:style>
+        <p:txBody>
+          <a:bodyPr rot="0" spcFirstLastPara="1" vertOverflow="overflow" horzOverflow="overflow" vert="horz" wrap="square" lIns="64639" tIns="64639" rIns="64639" bIns="64639" numCol="1" spcCol="38100" rtlCol="0" anchor="t">
+            <a:spAutoFit/>
+          </a:bodyPr>
+          <a:lstStyle/>
+          <a:p>
+            <a:pPr algn="r" defTabSz="1292779" hangingPunct="0"/>
+            <a:r>
+              <a:rPr lang="es-ES_tradnl" sz="5400" b="1" dirty="0">
+                <a:solidFill>
+                  <a:srgbClr val="050505"/>
+                </a:solidFill>
+                <a:sym typeface="Calibri"/>
+              </a:rPr>
+              <a:t>ID: #Poster</a:t>
+            </a:r>
+            <a:endParaRPr lang="es-CO" sz="5400" b="1" dirty="0">
+              <a:solidFill>
+                <a:srgbClr val="050505"/>
+              </a:solidFill>
+              <a:sym typeface="Calibri"/>
+            </a:endParaRPr>
+          </a:p>
+        </p:txBody>
+      </p:sp>
+    </p:spTree>
+    <p:extLst>
+      <p:ext uri="{BB962C8B-B14F-4D97-AF65-F5344CB8AC3E}">
+        <p14:creationId xmlns:p14="http://schemas.microsoft.com/office/powerpoint/2010/main" val="826942947"/>
       </p:ext>
     </p:extLst>
   </p:cSld>
